--- a/COLLECTIONS.pptx
+++ b/COLLECTIONS.pptx
@@ -7701,19 +7701,21 @@
           <a:p>
             <a:r>
               <a:rPr lang="en-US" dirty="0" smtClean="0"/>
-              <a:t>To store similar or dissimilar types of objects into a single unit.</a:t>
-            </a:r>
-          </a:p>
-          <a:p>
+              <a:t>To store similar or dissimilar types of objects into a single </a:t>
+            </a:r>
+            <a:r>
+              <a:rPr lang="en-US" smtClean="0"/>
+              <a:t>unit.</a:t>
+            </a:r>
+          </a:p>
+          <a:p>
+            <a:r>
+              <a:rPr lang="en-US" smtClean="0"/>
+              <a:t>To </a:t>
+            </a:r>
             <a:r>
               <a:rPr lang="en-US" dirty="0" smtClean="0"/>
-              <a:t>Group of objects into a single entity.</a:t>
-            </a:r>
-          </a:p>
-          <a:p>
-            <a:r>
-              <a:rPr lang="en-US" dirty="0" smtClean="0"/>
-              <a:t>To represent group of individual objects as a single entity.</a:t>
+              <a:t>represent group of individual objects as a single entity.</a:t>
             </a:r>
             <a:endParaRPr lang="en-US" dirty="0"/>
           </a:p>
